--- a/Lecture_3_OOP.pptx
+++ b/Lecture_3_OOP.pptx
@@ -5,7 +5,7 @@
     <p:sldMasterId id="2147483648" r:id="rId1"/>
   </p:sldMasterIdLst>
   <p:notesMasterIdLst>
-    <p:notesMasterId r:id="rId63"/>
+    <p:notesMasterId r:id="rId68"/>
   </p:notesMasterIdLst>
   <p:sldIdLst>
     <p:sldId id="305" r:id="rId2"/>
@@ -67,8 +67,13 @@
     <p:sldId id="317" r:id="rId58"/>
     <p:sldId id="318" r:id="rId59"/>
     <p:sldId id="319" r:id="rId60"/>
-    <p:sldId id="297" r:id="rId61"/>
-    <p:sldId id="304" r:id="rId62"/>
+    <p:sldId id="320" r:id="rId61"/>
+    <p:sldId id="322" r:id="rId62"/>
+    <p:sldId id="321" r:id="rId63"/>
+    <p:sldId id="323" r:id="rId64"/>
+    <p:sldId id="324" r:id="rId65"/>
+    <p:sldId id="297" r:id="rId66"/>
+    <p:sldId id="304" r:id="rId67"/>
   </p:sldIdLst>
   <p:sldSz cx="9144000" cy="6858000" type="screen4x3"/>
   <p:notesSz cx="6858000" cy="9144000"/>
@@ -268,7 +273,7 @@
           <a:p>
             <a:fld id="{6A810824-8AE5-4203-97D1-75A6D12A0842}" type="datetimeFigureOut">
               <a:rPr lang="en-US" smtClean="0"/>
-              <a:t>9/16/2015</a:t>
+              <a:t>9/17/2015</a:t>
             </a:fld>
             <a:endParaRPr lang="en-US"/>
           </a:p>
@@ -801,7 +806,7 @@
           <a:p>
             <a:fld id="{C075E9B6-261B-4B87-80CB-CFDF5710A7F4}" type="datetimeFigureOut">
               <a:rPr lang="ru-RU" smtClean="0"/>
-              <a:t>16.09.2015</a:t>
+              <a:t>17.09.2015</a:t>
             </a:fld>
             <a:endParaRPr lang="ru-RU"/>
           </a:p>
@@ -971,7 +976,7 @@
           <a:p>
             <a:fld id="{C075E9B6-261B-4B87-80CB-CFDF5710A7F4}" type="datetimeFigureOut">
               <a:rPr lang="ru-RU" smtClean="0"/>
-              <a:t>16.09.2015</a:t>
+              <a:t>17.09.2015</a:t>
             </a:fld>
             <a:endParaRPr lang="ru-RU"/>
           </a:p>
@@ -1151,7 +1156,7 @@
           <a:p>
             <a:fld id="{C075E9B6-261B-4B87-80CB-CFDF5710A7F4}" type="datetimeFigureOut">
               <a:rPr lang="ru-RU" smtClean="0"/>
-              <a:t>16.09.2015</a:t>
+              <a:t>17.09.2015</a:t>
             </a:fld>
             <a:endParaRPr lang="ru-RU"/>
           </a:p>
@@ -1321,7 +1326,7 @@
           <a:p>
             <a:fld id="{C075E9B6-261B-4B87-80CB-CFDF5710A7F4}" type="datetimeFigureOut">
               <a:rPr lang="ru-RU" smtClean="0"/>
-              <a:t>16.09.2015</a:t>
+              <a:t>17.09.2015</a:t>
             </a:fld>
             <a:endParaRPr lang="ru-RU"/>
           </a:p>
@@ -1567,7 +1572,7 @@
           <a:p>
             <a:fld id="{C075E9B6-261B-4B87-80CB-CFDF5710A7F4}" type="datetimeFigureOut">
               <a:rPr lang="ru-RU" smtClean="0"/>
-              <a:t>16.09.2015</a:t>
+              <a:t>17.09.2015</a:t>
             </a:fld>
             <a:endParaRPr lang="ru-RU"/>
           </a:p>
@@ -1855,7 +1860,7 @@
           <a:p>
             <a:fld id="{C075E9B6-261B-4B87-80CB-CFDF5710A7F4}" type="datetimeFigureOut">
               <a:rPr lang="ru-RU" smtClean="0"/>
-              <a:t>16.09.2015</a:t>
+              <a:t>17.09.2015</a:t>
             </a:fld>
             <a:endParaRPr lang="ru-RU"/>
           </a:p>
@@ -2277,7 +2282,7 @@
           <a:p>
             <a:fld id="{C075E9B6-261B-4B87-80CB-CFDF5710A7F4}" type="datetimeFigureOut">
               <a:rPr lang="ru-RU" smtClean="0"/>
-              <a:t>16.09.2015</a:t>
+              <a:t>17.09.2015</a:t>
             </a:fld>
             <a:endParaRPr lang="ru-RU"/>
           </a:p>
@@ -2395,7 +2400,7 @@
           <a:p>
             <a:fld id="{C075E9B6-261B-4B87-80CB-CFDF5710A7F4}" type="datetimeFigureOut">
               <a:rPr lang="ru-RU" smtClean="0"/>
-              <a:t>16.09.2015</a:t>
+              <a:t>17.09.2015</a:t>
             </a:fld>
             <a:endParaRPr lang="ru-RU"/>
           </a:p>
@@ -2490,7 +2495,7 @@
           <a:p>
             <a:fld id="{C075E9B6-261B-4B87-80CB-CFDF5710A7F4}" type="datetimeFigureOut">
               <a:rPr lang="ru-RU" smtClean="0"/>
-              <a:t>16.09.2015</a:t>
+              <a:t>17.09.2015</a:t>
             </a:fld>
             <a:endParaRPr lang="ru-RU"/>
           </a:p>
@@ -2767,7 +2772,7 @@
           <a:p>
             <a:fld id="{C075E9B6-261B-4B87-80CB-CFDF5710A7F4}" type="datetimeFigureOut">
               <a:rPr lang="ru-RU" smtClean="0"/>
-              <a:t>16.09.2015</a:t>
+              <a:t>17.09.2015</a:t>
             </a:fld>
             <a:endParaRPr lang="ru-RU"/>
           </a:p>
@@ -3020,7 +3025,7 @@
           <a:p>
             <a:fld id="{C075E9B6-261B-4B87-80CB-CFDF5710A7F4}" type="datetimeFigureOut">
               <a:rPr lang="ru-RU" smtClean="0"/>
-              <a:t>16.09.2015</a:t>
+              <a:t>17.09.2015</a:t>
             </a:fld>
             <a:endParaRPr lang="ru-RU"/>
           </a:p>
@@ -3233,7 +3238,7 @@
           <a:p>
             <a:fld id="{C075E9B6-261B-4B87-80CB-CFDF5710A7F4}" type="datetimeFigureOut">
               <a:rPr lang="ru-RU" smtClean="0"/>
-              <a:t>16.09.2015</a:t>
+              <a:t>17.09.2015</a:t>
             </a:fld>
             <a:endParaRPr lang="ru-RU"/>
           </a:p>
@@ -10670,11 +10675,7 @@
           <a:p>
             <a:r>
               <a:rPr lang="ru-RU" dirty="0" smtClean="0"/>
-              <a:t>Диаграмма </a:t>
-            </a:r>
-            <a:r>
-              <a:rPr lang="ru-RU" dirty="0" smtClean="0"/>
-              <a:t>классов. Классы.</a:t>
+              <a:t>Диаграмма классов. Классы.</a:t>
             </a:r>
             <a:endParaRPr lang="en-US" dirty="0"/>
           </a:p>
@@ -11226,7 +11227,12 @@
             <p:ph idx="1"/>
           </p:nvPr>
         </p:nvSpPr>
-        <p:spPr/>
+        <p:spPr>
+          <a:xfrm>
+            <a:off x="457200" y="1600200"/>
+            <a:ext cx="8229600" cy="4853136"/>
+          </a:xfrm>
+        </p:spPr>
         <p:txBody>
           <a:bodyPr>
             <a:normAutofit fontScale="55000" lnSpcReduction="20000"/>
@@ -11307,12 +11313,20 @@
               <a:t>	</a:t>
             </a:r>
             <a:r>
-              <a:rPr lang="ru-RU" dirty="0" err="1" smtClean="0"/>
-              <a:t>ИгровоеПоле</a:t>
-            </a:r>
-            <a:r>
-              <a:rPr lang="ru-RU" dirty="0" smtClean="0"/>
-              <a:t> = </a:t>
+              <a:rPr lang="ru-RU" dirty="0" smtClean="0"/>
+              <a:t>Поле </a:t>
+            </a:r>
+            <a:r>
+              <a:rPr lang="ru-RU" dirty="0" err="1"/>
+              <a:t>игровоеПоле</a:t>
+            </a:r>
+            <a:r>
+              <a:rPr lang="ru-RU" dirty="0"/>
+              <a:t> </a:t>
+            </a:r>
+            <a:r>
+              <a:rPr lang="ru-RU" dirty="0" smtClean="0"/>
+              <a:t>= </a:t>
             </a:r>
             <a:r>
               <a:rPr lang="en-US" dirty="0" smtClean="0">
@@ -11340,11 +11354,15 @@
               <a:t>	</a:t>
             </a:r>
             <a:r>
-              <a:rPr lang="ru-RU" dirty="0" err="1"/>
-              <a:t>ИгрокКрестиком</a:t>
-            </a:r>
-            <a:r>
-              <a:rPr lang="ru-RU" dirty="0"/>
+              <a:rPr lang="ru-RU" dirty="0" smtClean="0"/>
+              <a:t>Игрок </a:t>
+            </a:r>
+            <a:r>
+              <a:rPr lang="ru-RU" dirty="0" err="1" smtClean="0"/>
+              <a:t>игрокКрестиком</a:t>
+            </a:r>
+            <a:r>
+              <a:rPr lang="ru-RU" dirty="0" smtClean="0"/>
               <a:t> </a:t>
             </a:r>
             <a:r>
@@ -11397,12 +11415,20 @@
               <a:t>	</a:t>
             </a:r>
             <a:r>
+              <a:rPr lang="ru-RU" dirty="0" smtClean="0"/>
+              <a:t>Игрок </a:t>
+            </a:r>
+            <a:r>
               <a:rPr lang="ru-RU" dirty="0" err="1" smtClean="0"/>
-              <a:t>ИгрокНоликом</a:t>
-            </a:r>
-            <a:r>
-              <a:rPr lang="ru-RU" dirty="0" smtClean="0"/>
-              <a:t> = </a:t>
+              <a:t>игрокНоликом</a:t>
+            </a:r>
+            <a:r>
+              <a:rPr lang="ru-RU" dirty="0" smtClean="0"/>
+              <a:t> </a:t>
+            </a:r>
+            <a:r>
+              <a:rPr lang="ru-RU" dirty="0" smtClean="0"/>
+              <a:t>= </a:t>
             </a:r>
             <a:r>
               <a:rPr lang="en-US" dirty="0" smtClean="0">
@@ -11450,16 +11476,24 @@
               <a:t>	</a:t>
             </a:r>
             <a:r>
+              <a:rPr lang="ru-RU" dirty="0" smtClean="0"/>
+              <a:t>Игрок </a:t>
+            </a:r>
+            <a:r>
+              <a:rPr lang="ru-RU" dirty="0" err="1"/>
+              <a:t>текущийИгрок</a:t>
+            </a:r>
+            <a:r>
+              <a:rPr lang="ru-RU" dirty="0"/>
+              <a:t> </a:t>
+            </a:r>
+            <a:r>
+              <a:rPr lang="ru-RU" dirty="0" smtClean="0"/>
+              <a:t>= </a:t>
+            </a:r>
+            <a:r>
               <a:rPr lang="ru-RU" dirty="0" err="1" smtClean="0"/>
-              <a:t>ТекущийИгрок</a:t>
-            </a:r>
-            <a:r>
-              <a:rPr lang="ru-RU" dirty="0" smtClean="0"/>
-              <a:t> = </a:t>
-            </a:r>
-            <a:r>
-              <a:rPr lang="ru-RU" dirty="0" err="1" smtClean="0"/>
-              <a:t>ИгрокКрестиком</a:t>
+              <a:t>игрокКрестиком</a:t>
             </a:r>
             <a:r>
               <a:rPr lang="ru-RU" dirty="0" smtClean="0"/>
@@ -11553,7 +11587,7 @@
             </a:r>
             <a:r>
               <a:rPr lang="ru-RU" dirty="0" err="1" smtClean="0"/>
-              <a:t>ТекущийИгрок.СделатьХод</a:t>
+              <a:t>текущийИгрок.СделатьХод</a:t>
             </a:r>
             <a:r>
               <a:rPr lang="ru-RU" dirty="0" smtClean="0"/>
@@ -11575,11 +11609,60 @@
             </a:r>
             <a:r>
               <a:rPr lang="ru-RU" dirty="0" err="1" smtClean="0"/>
-              <a:t>СменитьТекущегоИгрока</a:t>
-            </a:r>
-            <a:r>
-              <a:rPr lang="ru-RU" dirty="0" smtClean="0"/>
-              <a:t>(); </a:t>
+              <a:t>текущийИгрок</a:t>
+            </a:r>
+            <a:r>
+              <a:rPr lang="ru-RU" dirty="0" smtClean="0"/>
+              <a:t> = </a:t>
+            </a:r>
+            <a:r>
+              <a:rPr lang="ru-RU" dirty="0" err="1" smtClean="0"/>
+              <a:t>текущийИгрок</a:t>
+            </a:r>
+            <a:r>
+              <a:rPr lang="ru-RU" dirty="0" smtClean="0"/>
+              <a:t> == </a:t>
+            </a:r>
+            <a:r>
+              <a:rPr lang="ru-RU" dirty="0" err="1"/>
+              <a:t>игрокКрестиком</a:t>
+            </a:r>
+            <a:r>
+              <a:rPr lang="ru-RU" dirty="0"/>
+              <a:t> </a:t>
+            </a:r>
+            <a:r>
+              <a:rPr lang="ru-RU" dirty="0" smtClean="0"/>
+              <a:t>? </a:t>
+            </a:r>
+          </a:p>
+          <a:p>
+            <a:pPr marL="0" indent="0">
+              <a:buNone/>
+            </a:pPr>
+            <a:r>
+              <a:rPr lang="ru-RU" dirty="0"/>
+              <a:t>	</a:t>
+            </a:r>
+            <a:r>
+              <a:rPr lang="ru-RU" dirty="0" smtClean="0"/>
+              <a:t>		</a:t>
+            </a:r>
+            <a:r>
+              <a:rPr lang="ru-RU" dirty="0" err="1" smtClean="0"/>
+              <a:t>игрокНоликом</a:t>
+            </a:r>
+            <a:r>
+              <a:rPr lang="ru-RU" dirty="0" smtClean="0"/>
+              <a:t> : </a:t>
+            </a:r>
+            <a:r>
+              <a:rPr lang="ru-RU" dirty="0" err="1" smtClean="0"/>
+              <a:t>игрокКрестиком</a:t>
+            </a:r>
+            <a:r>
+              <a:rPr lang="ru-RU" dirty="0" smtClean="0"/>
+              <a:t> </a:t>
             </a:r>
             <a:r>
               <a:rPr lang="en-US" dirty="0" smtClean="0">
@@ -11595,8 +11678,13 @@
                   <a:srgbClr val="00B050"/>
                 </a:solidFill>
               </a:rPr>
-              <a:t>код не приводится, т.к. очевиден</a:t>
-            </a:r>
+              <a:t>меняем текущего</a:t>
+            </a:r>
+            <a:endParaRPr lang="ru-RU" dirty="0" smtClean="0">
+              <a:solidFill>
+                <a:srgbClr val="00B050"/>
+              </a:solidFill>
+            </a:endParaRPr>
           </a:p>
           <a:p>
             <a:pPr marL="0" indent="0">
@@ -11627,12 +11715,12 @@
               <a:t> </a:t>
             </a:r>
             <a:r>
-              <a:rPr lang="ru-RU" dirty="0"/>
+              <a:rPr lang="ru-RU" dirty="0" smtClean="0"/>
               <a:t>!</a:t>
             </a:r>
             <a:r>
-              <a:rPr lang="ru-RU" dirty="0" err="1"/>
-              <a:t>ИгровоеПоле.ЕстьЛиПолнаяЛиния</a:t>
+              <a:rPr lang="ru-RU" dirty="0" err="1" smtClean="0"/>
+              <a:t>игровоеПоле.ЕстьЛиПолнаяЛиния</a:t>
             </a:r>
             <a:r>
               <a:rPr lang="ru-RU" dirty="0"/>
@@ -11667,15 +11755,7 @@
               <a:t>	</a:t>
             </a:r>
             <a:r>
-              <a:rPr lang="ru-RU" dirty="0" err="1" smtClean="0"/>
-              <a:t>СообщитьИгрокамРезультат</a:t>
-            </a:r>
-            <a:r>
-              <a:rPr lang="ru-RU" dirty="0" smtClean="0"/>
-              <a:t>(); </a:t>
-            </a:r>
-            <a:r>
-              <a:rPr lang="en-US" dirty="0">
+              <a:rPr lang="en-US" dirty="0" smtClean="0">
                 <a:solidFill>
                   <a:srgbClr val="00B050"/>
                 </a:solidFill>
@@ -11683,12 +11763,28 @@
               <a:t>//</a:t>
             </a:r>
             <a:r>
+              <a:rPr lang="ru-RU" dirty="0" smtClean="0">
+                <a:solidFill>
+                  <a:srgbClr val="00B050"/>
+                </a:solidFill>
+              </a:rPr>
+              <a:t>сообщаем </a:t>
+            </a:r>
+            <a:r>
+              <a:rPr lang="en-US" dirty="0" smtClean="0">
+                <a:solidFill>
+                  <a:srgbClr val="00B050"/>
+                </a:solidFill>
+              </a:rPr>
+              <a:t> </a:t>
+            </a:r>
+            <a:r>
               <a:rPr lang="ru-RU" dirty="0">
                 <a:solidFill>
                   <a:srgbClr val="00B050"/>
                 </a:solidFill>
               </a:rPr>
-              <a:t>код не приводится, т.к. очевиден</a:t>
+              <a:t>игрокам результат – код пропущен для краткости</a:t>
             </a:r>
           </a:p>
           <a:p>
@@ -13795,6 +13891,1939 @@
           <a:lstStyle/>
           <a:p>
             <a:r>
+              <a:rPr lang="ru-RU" dirty="0" smtClean="0"/>
+              <a:t>А как же наследование и полиморфизм?</a:t>
+            </a:r>
+            <a:endParaRPr lang="en-US" dirty="0"/>
+          </a:p>
+        </p:txBody>
+      </p:sp>
+      <p:pic>
+        <p:nvPicPr>
+          <p:cNvPr id="6" name="Объект 5"/>
+          <p:cNvPicPr>
+            <a:picLocks noGrp="1" noChangeAspect="1"/>
+          </p:cNvPicPr>
+          <p:nvPr>
+            <p:ph idx="1"/>
+          </p:nvPr>
+        </p:nvPicPr>
+        <p:blipFill>
+          <a:blip r:embed="rId2"/>
+          <a:stretch>
+            <a:fillRect/>
+          </a:stretch>
+        </p:blipFill>
+        <p:spPr>
+          <a:xfrm>
+            <a:off x="1292447" y="1600200"/>
+            <a:ext cx="6559106" cy="4525963"/>
+          </a:xfrm>
+          <a:prstGeom prst="rect">
+            <a:avLst/>
+          </a:prstGeom>
+        </p:spPr>
+      </p:pic>
+    </p:spTree>
+    <p:extLst>
+      <p:ext uri="{BB962C8B-B14F-4D97-AF65-F5344CB8AC3E}">
+        <p14:creationId xmlns:p14="http://schemas.microsoft.com/office/powerpoint/2010/main" val="3738908934"/>
+      </p:ext>
+    </p:extLst>
+  </p:cSld>
+  <p:clrMapOvr>
+    <a:masterClrMapping/>
+  </p:clrMapOvr>
+</p:sld>
+</file>
+
+<file path=ppt/slides/slide61.xml><?xml version="1.0" encoding="utf-8"?>
+<p:sld xmlns:a="http://schemas.openxmlformats.org/drawingml/2006/main" xmlns:r="http://schemas.openxmlformats.org/officeDocument/2006/relationships" xmlns:p="http://schemas.openxmlformats.org/presentationml/2006/main">
+  <p:cSld>
+    <p:spTree>
+      <p:nvGrpSpPr>
+        <p:cNvPr id="1" name=""/>
+        <p:cNvGrpSpPr/>
+        <p:nvPr/>
+      </p:nvGrpSpPr>
+      <p:grpSpPr>
+        <a:xfrm>
+          <a:off x="0" y="0"/>
+          <a:ext cx="0" cy="0"/>
+          <a:chOff x="0" y="0"/>
+          <a:chExt cx="0" cy="0"/>
+        </a:xfrm>
+      </p:grpSpPr>
+      <p:sp>
+        <p:nvSpPr>
+          <p:cNvPr id="2" name="Заголовок 1"/>
+          <p:cNvSpPr>
+            <a:spLocks noGrp="1"/>
+          </p:cNvSpPr>
+          <p:nvPr>
+            <p:ph type="title"/>
+          </p:nvPr>
+        </p:nvSpPr>
+        <p:spPr/>
+        <p:txBody>
+          <a:bodyPr>
+            <a:normAutofit fontScale="90000"/>
+          </a:bodyPr>
+          <a:lstStyle/>
+          <a:p>
+            <a:r>
+              <a:rPr lang="ru-RU" dirty="0" smtClean="0"/>
+              <a:t>Класс Игра (вариант с отдельными классами Игроков)</a:t>
+            </a:r>
+            <a:endParaRPr lang="en-US" dirty="0"/>
+          </a:p>
+        </p:txBody>
+      </p:sp>
+      <p:sp>
+        <p:nvSpPr>
+          <p:cNvPr id="3" name="Объект 2"/>
+          <p:cNvSpPr>
+            <a:spLocks noGrp="1"/>
+          </p:cNvSpPr>
+          <p:nvPr>
+            <p:ph idx="1"/>
+          </p:nvPr>
+        </p:nvSpPr>
+        <p:spPr>
+          <a:xfrm>
+            <a:off x="457200" y="1417638"/>
+            <a:ext cx="8229600" cy="5251722"/>
+          </a:xfrm>
+        </p:spPr>
+        <p:txBody>
+          <a:bodyPr>
+            <a:normAutofit fontScale="55000" lnSpcReduction="20000"/>
+          </a:bodyPr>
+          <a:lstStyle/>
+          <a:p>
+            <a:pPr marL="0" indent="0">
+              <a:buNone/>
+            </a:pPr>
+            <a:r>
+              <a:rPr lang="en-US" dirty="0" smtClean="0">
+                <a:solidFill>
+                  <a:schemeClr val="accent1"/>
+                </a:solidFill>
+              </a:rPr>
+              <a:t>public void</a:t>
+            </a:r>
+            <a:r>
+              <a:rPr lang="ru-RU" dirty="0"/>
+              <a:t> </a:t>
+            </a:r>
+            <a:r>
+              <a:rPr lang="ru-RU" dirty="0" err="1"/>
+              <a:t>НачатьИгру</a:t>
+            </a:r>
+            <a:r>
+              <a:rPr lang="ru-RU" dirty="0"/>
+              <a:t>()</a:t>
+            </a:r>
+            <a:endParaRPr lang="en-US" dirty="0" smtClean="0"/>
+          </a:p>
+          <a:p>
+            <a:pPr marL="0" indent="0">
+              <a:buNone/>
+            </a:pPr>
+            <a:r>
+              <a:rPr lang="en-US" dirty="0" smtClean="0"/>
+              <a:t>{</a:t>
+            </a:r>
+            <a:endParaRPr lang="ru-RU" dirty="0" smtClean="0"/>
+          </a:p>
+          <a:p>
+            <a:pPr marL="0" indent="0">
+              <a:buNone/>
+            </a:pPr>
+            <a:r>
+              <a:rPr lang="ru-RU" dirty="0"/>
+              <a:t>	</a:t>
+            </a:r>
+            <a:r>
+              <a:rPr lang="en-US" dirty="0" smtClean="0">
+                <a:solidFill>
+                  <a:srgbClr val="00B050"/>
+                </a:solidFill>
+              </a:rPr>
+              <a:t>//</a:t>
+            </a:r>
+            <a:r>
+              <a:rPr lang="ru-RU" dirty="0" smtClean="0">
+                <a:solidFill>
+                  <a:srgbClr val="00B050"/>
+                </a:solidFill>
+              </a:rPr>
+              <a:t>инициализация</a:t>
+            </a:r>
+            <a:endParaRPr lang="en-US" dirty="0" smtClean="0">
+              <a:solidFill>
+                <a:srgbClr val="00B050"/>
+              </a:solidFill>
+            </a:endParaRPr>
+          </a:p>
+          <a:p>
+            <a:pPr marL="0" indent="0">
+              <a:buNone/>
+            </a:pPr>
+            <a:r>
+              <a:rPr lang="en-US" dirty="0"/>
+              <a:t>	</a:t>
+            </a:r>
+            <a:r>
+              <a:rPr lang="ru-RU" dirty="0" smtClean="0"/>
+              <a:t>Поле </a:t>
+            </a:r>
+            <a:r>
+              <a:rPr lang="ru-RU" dirty="0" err="1"/>
+              <a:t>игровоеПоле</a:t>
+            </a:r>
+            <a:r>
+              <a:rPr lang="ru-RU" dirty="0"/>
+              <a:t> </a:t>
+            </a:r>
+            <a:r>
+              <a:rPr lang="ru-RU" dirty="0" smtClean="0"/>
+              <a:t>= </a:t>
+            </a:r>
+            <a:r>
+              <a:rPr lang="en-US" dirty="0" smtClean="0">
+                <a:solidFill>
+                  <a:schemeClr val="accent1"/>
+                </a:solidFill>
+              </a:rPr>
+              <a:t>new</a:t>
+            </a:r>
+            <a:r>
+              <a:rPr lang="en-US" dirty="0" smtClean="0"/>
+              <a:t> </a:t>
+            </a:r>
+            <a:r>
+              <a:rPr lang="ru-RU" dirty="0" smtClean="0"/>
+              <a:t>Поле</a:t>
+            </a:r>
+            <a:r>
+              <a:rPr lang="ru-RU" dirty="0" smtClean="0"/>
+              <a:t>();</a:t>
+            </a:r>
+          </a:p>
+          <a:p>
+            <a:pPr marL="0" indent="0">
+              <a:buNone/>
+            </a:pPr>
+            <a:endParaRPr lang="ru-RU" dirty="0" smtClean="0"/>
+          </a:p>
+          <a:p>
+            <a:pPr marL="0" indent="0">
+              <a:buNone/>
+            </a:pPr>
+            <a:r>
+              <a:rPr lang="ru-RU" dirty="0" smtClean="0"/>
+              <a:t>	</a:t>
+            </a:r>
+            <a:r>
+              <a:rPr lang="en-US" b="1" dirty="0" smtClean="0">
+                <a:solidFill>
+                  <a:srgbClr val="00B050"/>
+                </a:solidFill>
+              </a:rPr>
+              <a:t>//</a:t>
+            </a:r>
+            <a:r>
+              <a:rPr lang="ru-RU" b="1" dirty="0" smtClean="0">
+                <a:solidFill>
+                  <a:srgbClr val="00B050"/>
+                </a:solidFill>
+              </a:rPr>
+              <a:t>убрали зависимость от </a:t>
+            </a:r>
+            <a:r>
+              <a:rPr lang="ru-RU" b="1" dirty="0" err="1" smtClean="0">
+                <a:solidFill>
+                  <a:srgbClr val="00B050"/>
+                </a:solidFill>
+              </a:rPr>
+              <a:t>энума</a:t>
+            </a:r>
+            <a:endParaRPr lang="en-US" b="1" dirty="0">
+              <a:solidFill>
+                <a:srgbClr val="00B050"/>
+              </a:solidFill>
+            </a:endParaRPr>
+          </a:p>
+          <a:p>
+            <a:pPr marL="0" indent="0">
+              <a:buNone/>
+            </a:pPr>
+            <a:r>
+              <a:rPr lang="ru-RU" b="1" dirty="0" smtClean="0"/>
+              <a:t>	</a:t>
+            </a:r>
+            <a:r>
+              <a:rPr lang="ru-RU" b="1" dirty="0" err="1" smtClean="0"/>
+              <a:t>ИгрокКрестиком</a:t>
+            </a:r>
+            <a:r>
+              <a:rPr lang="ru-RU" b="1" dirty="0" smtClean="0"/>
+              <a:t> крестик </a:t>
+            </a:r>
+            <a:r>
+              <a:rPr lang="ru-RU" b="1" dirty="0" smtClean="0"/>
+              <a:t>= </a:t>
+            </a:r>
+            <a:r>
+              <a:rPr lang="en-US" b="1" dirty="0" smtClean="0">
+                <a:solidFill>
+                  <a:schemeClr val="accent1"/>
+                </a:solidFill>
+              </a:rPr>
+              <a:t>new</a:t>
+            </a:r>
+            <a:r>
+              <a:rPr lang="en-US" b="1" dirty="0" smtClean="0"/>
+              <a:t> </a:t>
+            </a:r>
+            <a:r>
+              <a:rPr lang="ru-RU" b="1" dirty="0" err="1" smtClean="0"/>
+              <a:t>ИгрокКрестиком</a:t>
+            </a:r>
+            <a:r>
+              <a:rPr lang="ru-RU" b="1" dirty="0" smtClean="0"/>
+              <a:t>(</a:t>
+            </a:r>
+            <a:r>
+              <a:rPr lang="en-US" b="1" dirty="0" smtClean="0">
+                <a:solidFill>
+                  <a:schemeClr val="accent1"/>
+                </a:solidFill>
+              </a:rPr>
+              <a:t>this</a:t>
+            </a:r>
+            <a:r>
+              <a:rPr lang="ru-RU" b="1" dirty="0" smtClean="0"/>
+              <a:t>); </a:t>
+            </a:r>
+            <a:r>
+              <a:rPr lang="ru-RU" b="1" dirty="0" smtClean="0"/>
+              <a:t>	</a:t>
+            </a:r>
+            <a:endParaRPr lang="ru-RU" b="1" dirty="0" smtClean="0"/>
+          </a:p>
+          <a:p>
+            <a:pPr marL="0" indent="0">
+              <a:buNone/>
+            </a:pPr>
+            <a:r>
+              <a:rPr lang="ru-RU" b="1" dirty="0"/>
+              <a:t>	</a:t>
+            </a:r>
+            <a:r>
+              <a:rPr lang="ru-RU" b="1" dirty="0" err="1" smtClean="0"/>
+              <a:t>ИгрокНоликом</a:t>
+            </a:r>
+            <a:r>
+              <a:rPr lang="ru-RU" b="1" dirty="0" smtClean="0"/>
+              <a:t> нолик </a:t>
+            </a:r>
+            <a:r>
+              <a:rPr lang="ru-RU" b="1" dirty="0" smtClean="0"/>
+              <a:t>= </a:t>
+            </a:r>
+            <a:r>
+              <a:rPr lang="en-US" b="1" dirty="0" smtClean="0">
+                <a:solidFill>
+                  <a:schemeClr val="accent1"/>
+                </a:solidFill>
+              </a:rPr>
+              <a:t>new</a:t>
+            </a:r>
+            <a:r>
+              <a:rPr lang="en-US" b="1" dirty="0" smtClean="0"/>
+              <a:t> </a:t>
+            </a:r>
+            <a:r>
+              <a:rPr lang="ru-RU" b="1" dirty="0" err="1" smtClean="0"/>
+              <a:t>ИгрокНоликом</a:t>
+            </a:r>
+            <a:r>
+              <a:rPr lang="ru-RU" b="1" dirty="0" smtClean="0"/>
+              <a:t>(</a:t>
+            </a:r>
+            <a:r>
+              <a:rPr lang="en-US" b="1" dirty="0" smtClean="0">
+                <a:solidFill>
+                  <a:schemeClr val="accent1"/>
+                </a:solidFill>
+              </a:rPr>
+              <a:t>this</a:t>
+            </a:r>
+            <a:r>
+              <a:rPr lang="ru-RU" b="1" dirty="0" smtClean="0"/>
+              <a:t>);</a:t>
+            </a:r>
+            <a:endParaRPr lang="ru-RU" b="1" dirty="0" smtClean="0"/>
+          </a:p>
+          <a:p>
+            <a:pPr marL="0" indent="0">
+              <a:buNone/>
+            </a:pPr>
+            <a:r>
+              <a:rPr lang="en-US" dirty="0"/>
+              <a:t>	</a:t>
+            </a:r>
+            <a:r>
+              <a:rPr lang="ru-RU" dirty="0" smtClean="0"/>
+              <a:t>Игрок </a:t>
+            </a:r>
+            <a:r>
+              <a:rPr lang="ru-RU" dirty="0" err="1" smtClean="0"/>
+              <a:t>текущийИгрок</a:t>
+            </a:r>
+            <a:r>
+              <a:rPr lang="ru-RU" dirty="0" smtClean="0"/>
+              <a:t> </a:t>
+            </a:r>
+            <a:r>
+              <a:rPr lang="ru-RU" dirty="0" smtClean="0"/>
+              <a:t>= </a:t>
+            </a:r>
+            <a:r>
+              <a:rPr lang="ru-RU" dirty="0" smtClean="0"/>
+              <a:t>крестик; </a:t>
+            </a:r>
+            <a:r>
+              <a:rPr lang="en-US" dirty="0" smtClean="0">
+                <a:solidFill>
+                  <a:srgbClr val="00B050"/>
+                </a:solidFill>
+              </a:rPr>
+              <a:t>//</a:t>
+            </a:r>
+            <a:r>
+              <a:rPr lang="ru-RU" dirty="0" smtClean="0">
+                <a:solidFill>
+                  <a:srgbClr val="00B050"/>
+                </a:solidFill>
+              </a:rPr>
+              <a:t>Крестик ходит первым</a:t>
+            </a:r>
+            <a:endParaRPr lang="en-US" dirty="0" smtClean="0"/>
+          </a:p>
+          <a:p>
+            <a:pPr marL="0" indent="0">
+              <a:buNone/>
+            </a:pPr>
+            <a:endParaRPr lang="en-US" dirty="0" smtClean="0"/>
+          </a:p>
+          <a:p>
+            <a:pPr marL="0" indent="0">
+              <a:buNone/>
+            </a:pPr>
+            <a:r>
+              <a:rPr lang="ru-RU" dirty="0"/>
+              <a:t>	</a:t>
+            </a:r>
+            <a:r>
+              <a:rPr lang="en-US" dirty="0" smtClean="0">
+                <a:solidFill>
+                  <a:schemeClr val="accent1"/>
+                </a:solidFill>
+              </a:rPr>
+              <a:t>do</a:t>
+            </a:r>
+            <a:r>
+              <a:rPr lang="en-US" dirty="0" smtClean="0"/>
+              <a:t>  </a:t>
+            </a:r>
+            <a:r>
+              <a:rPr lang="en-US" dirty="0">
+                <a:solidFill>
+                  <a:srgbClr val="00B050"/>
+                </a:solidFill>
+              </a:rPr>
+              <a:t>//</a:t>
+            </a:r>
+            <a:r>
+              <a:rPr lang="ru-RU" dirty="0">
+                <a:solidFill>
+                  <a:srgbClr val="00B050"/>
+                </a:solidFill>
+              </a:rPr>
+              <a:t>основной цикл игры</a:t>
+            </a:r>
+          </a:p>
+          <a:p>
+            <a:pPr marL="0" indent="0">
+              <a:buNone/>
+            </a:pPr>
+            <a:r>
+              <a:rPr lang="en-US" dirty="0"/>
+              <a:t>	</a:t>
+            </a:r>
+            <a:r>
+              <a:rPr lang="en-US" dirty="0" smtClean="0"/>
+              <a:t>{</a:t>
+            </a:r>
+          </a:p>
+          <a:p>
+            <a:pPr marL="0" indent="0">
+              <a:buNone/>
+            </a:pPr>
+            <a:r>
+              <a:rPr lang="en-US" dirty="0"/>
+              <a:t>	</a:t>
+            </a:r>
+            <a:r>
+              <a:rPr lang="en-US" dirty="0" smtClean="0"/>
+              <a:t>	</a:t>
+            </a:r>
+            <a:r>
+              <a:rPr lang="ru-RU" dirty="0" err="1" smtClean="0"/>
+              <a:t>текущийИгрок.СделатьХод</a:t>
+            </a:r>
+            <a:r>
+              <a:rPr lang="ru-RU" dirty="0" smtClean="0"/>
+              <a:t>();</a:t>
+            </a:r>
+          </a:p>
+          <a:p>
+            <a:pPr marL="0" indent="0">
+              <a:buNone/>
+            </a:pPr>
+            <a:r>
+              <a:rPr lang="ru-RU" dirty="0" smtClean="0"/>
+              <a:t>		</a:t>
+            </a:r>
+            <a:r>
+              <a:rPr lang="ru-RU" dirty="0" err="1" smtClean="0"/>
+              <a:t>текущийИгрок</a:t>
+            </a:r>
+            <a:r>
+              <a:rPr lang="ru-RU" dirty="0" smtClean="0"/>
+              <a:t> </a:t>
+            </a:r>
+            <a:r>
+              <a:rPr lang="ru-RU" dirty="0"/>
+              <a:t>= </a:t>
+            </a:r>
+            <a:r>
+              <a:rPr lang="ru-RU" dirty="0" err="1"/>
+              <a:t>текущийИгрок</a:t>
+            </a:r>
+            <a:r>
+              <a:rPr lang="ru-RU" dirty="0"/>
+              <a:t> == </a:t>
+            </a:r>
+            <a:r>
+              <a:rPr lang="ru-RU" dirty="0" smtClean="0"/>
+              <a:t>крестик </a:t>
+            </a:r>
+            <a:r>
+              <a:rPr lang="ru-RU" dirty="0"/>
+              <a:t>? </a:t>
+            </a:r>
+          </a:p>
+          <a:p>
+            <a:pPr marL="0" indent="0">
+              <a:buNone/>
+            </a:pPr>
+            <a:r>
+              <a:rPr lang="ru-RU" dirty="0"/>
+              <a:t>			</a:t>
+            </a:r>
+            <a:r>
+              <a:rPr lang="ru-RU" dirty="0" smtClean="0"/>
+              <a:t>нолик </a:t>
+            </a:r>
+            <a:r>
+              <a:rPr lang="ru-RU" dirty="0"/>
+              <a:t>: </a:t>
+            </a:r>
+            <a:r>
+              <a:rPr lang="ru-RU" dirty="0" smtClean="0"/>
+              <a:t>крестик </a:t>
+            </a:r>
+            <a:r>
+              <a:rPr lang="en-US" dirty="0">
+                <a:solidFill>
+                  <a:srgbClr val="00B050"/>
+                </a:solidFill>
+              </a:rPr>
+              <a:t>//</a:t>
+            </a:r>
+            <a:r>
+              <a:rPr lang="ru-RU" dirty="0">
+                <a:solidFill>
+                  <a:srgbClr val="00B050"/>
+                </a:solidFill>
+              </a:rPr>
+              <a:t>меняем текущего</a:t>
+            </a:r>
+          </a:p>
+          <a:p>
+            <a:pPr marL="0" indent="0">
+              <a:buNone/>
+            </a:pPr>
+            <a:r>
+              <a:rPr lang="en-US" dirty="0" smtClean="0"/>
+              <a:t>	} </a:t>
+            </a:r>
+            <a:r>
+              <a:rPr lang="en-US" dirty="0" smtClean="0">
+                <a:solidFill>
+                  <a:schemeClr val="accent1"/>
+                </a:solidFill>
+              </a:rPr>
+              <a:t>while</a:t>
+            </a:r>
+            <a:r>
+              <a:rPr lang="en-US" dirty="0" smtClean="0"/>
+              <a:t> </a:t>
+            </a:r>
+            <a:r>
+              <a:rPr lang="ru-RU" dirty="0" smtClean="0"/>
+              <a:t>(</a:t>
+            </a:r>
+            <a:r>
+              <a:rPr lang="en-US" dirty="0" smtClean="0"/>
+              <a:t> </a:t>
+            </a:r>
+            <a:r>
+              <a:rPr lang="ru-RU" dirty="0" smtClean="0"/>
+              <a:t>!</a:t>
+            </a:r>
+            <a:r>
+              <a:rPr lang="ru-RU" dirty="0" err="1" smtClean="0"/>
+              <a:t>ИгровоеПоле.ЕстьЛиПолнаяЛиния</a:t>
+            </a:r>
+            <a:r>
+              <a:rPr lang="ru-RU" dirty="0" smtClean="0"/>
+              <a:t>()</a:t>
+            </a:r>
+            <a:r>
+              <a:rPr lang="en-US" dirty="0" smtClean="0"/>
+              <a:t> </a:t>
+            </a:r>
+            <a:r>
+              <a:rPr lang="ru-RU" dirty="0" smtClean="0"/>
+              <a:t>)</a:t>
+            </a:r>
+            <a:r>
+              <a:rPr lang="en-US" dirty="0" smtClean="0"/>
+              <a:t>;</a:t>
+            </a:r>
+            <a:endParaRPr lang="ru-RU" dirty="0" smtClean="0"/>
+          </a:p>
+          <a:p>
+            <a:pPr marL="0" indent="0">
+              <a:buNone/>
+            </a:pPr>
+            <a:endParaRPr lang="ru-RU" dirty="0" smtClean="0"/>
+          </a:p>
+          <a:p>
+            <a:pPr marL="0" indent="0">
+              <a:buNone/>
+            </a:pPr>
+            <a:r>
+              <a:rPr lang="ru-RU" dirty="0" smtClean="0"/>
+              <a:t>	</a:t>
+            </a:r>
+            <a:r>
+              <a:rPr lang="en-US" sz="3300" dirty="0" smtClean="0">
+                <a:solidFill>
+                  <a:srgbClr val="00B050"/>
+                </a:solidFill>
+              </a:rPr>
+              <a:t>//</a:t>
+            </a:r>
+            <a:r>
+              <a:rPr lang="ru-RU" sz="3300" dirty="0" smtClean="0">
+                <a:solidFill>
+                  <a:srgbClr val="00B050"/>
+                </a:solidFill>
+              </a:rPr>
+              <a:t>сообщаем </a:t>
+            </a:r>
+            <a:r>
+              <a:rPr lang="en-US" sz="3300" dirty="0" smtClean="0">
+                <a:solidFill>
+                  <a:srgbClr val="00B050"/>
+                </a:solidFill>
+              </a:rPr>
+              <a:t> </a:t>
+            </a:r>
+            <a:r>
+              <a:rPr lang="ru-RU" sz="3300" dirty="0" smtClean="0">
+                <a:solidFill>
+                  <a:srgbClr val="00B050"/>
+                </a:solidFill>
+              </a:rPr>
+              <a:t>игрокам результат </a:t>
+            </a:r>
+            <a:r>
+              <a:rPr lang="ru-RU" sz="3300" dirty="0">
+                <a:solidFill>
+                  <a:srgbClr val="00B050"/>
+                </a:solidFill>
+              </a:rPr>
+              <a:t>– код пропущен для краткости</a:t>
+            </a:r>
+            <a:endParaRPr lang="ru-RU" sz="3300" dirty="0" smtClean="0">
+              <a:solidFill>
+                <a:srgbClr val="00B050"/>
+              </a:solidFill>
+            </a:endParaRPr>
+          </a:p>
+          <a:p>
+            <a:pPr marL="0" indent="0">
+              <a:buNone/>
+            </a:pPr>
+            <a:r>
+              <a:rPr lang="en-US" dirty="0" smtClean="0"/>
+              <a:t>}</a:t>
+            </a:r>
+            <a:endParaRPr lang="en-US" dirty="0"/>
+          </a:p>
+        </p:txBody>
+      </p:sp>
+    </p:spTree>
+    <p:extLst>
+      <p:ext uri="{BB962C8B-B14F-4D97-AF65-F5344CB8AC3E}">
+        <p14:creationId xmlns:p14="http://schemas.microsoft.com/office/powerpoint/2010/main" val="1087116352"/>
+      </p:ext>
+    </p:extLst>
+  </p:cSld>
+  <p:clrMapOvr>
+    <a:masterClrMapping/>
+  </p:clrMapOvr>
+  <p:timing>
+    <p:tnLst>
+      <p:par>
+        <p:cTn id="1" dur="indefinite" restart="never" nodeType="tmRoot"/>
+      </p:par>
+    </p:tnLst>
+  </p:timing>
+</p:sld>
+</file>
+
+<file path=ppt/slides/slide62.xml><?xml version="1.0" encoding="utf-8"?>
+<p:sld xmlns:a="http://schemas.openxmlformats.org/drawingml/2006/main" xmlns:r="http://schemas.openxmlformats.org/officeDocument/2006/relationships" xmlns:p="http://schemas.openxmlformats.org/presentationml/2006/main">
+  <p:cSld>
+    <p:spTree>
+      <p:nvGrpSpPr>
+        <p:cNvPr id="1" name=""/>
+        <p:cNvGrpSpPr/>
+        <p:nvPr/>
+      </p:nvGrpSpPr>
+      <p:grpSpPr>
+        <a:xfrm>
+          <a:off x="0" y="0"/>
+          <a:ext cx="0" cy="0"/>
+          <a:chOff x="0" y="0"/>
+          <a:chExt cx="0" cy="0"/>
+        </a:xfrm>
+      </p:grpSpPr>
+      <p:sp>
+        <p:nvSpPr>
+          <p:cNvPr id="2" name="Заголовок 1"/>
+          <p:cNvSpPr>
+            <a:spLocks noGrp="1"/>
+          </p:cNvSpPr>
+          <p:nvPr>
+            <p:ph type="title"/>
+          </p:nvPr>
+        </p:nvSpPr>
+        <p:spPr/>
+        <p:txBody>
+          <a:bodyPr>
+            <a:normAutofit fontScale="90000"/>
+          </a:bodyPr>
+          <a:lstStyle/>
+          <a:p>
+            <a:r>
+              <a:rPr lang="ru-RU" dirty="0" smtClean="0"/>
+              <a:t>Неоптимальный вариант с наследованием (не делайте так)</a:t>
+            </a:r>
+            <a:endParaRPr lang="en-US" dirty="0"/>
+          </a:p>
+        </p:txBody>
+      </p:sp>
+      <p:sp>
+        <p:nvSpPr>
+          <p:cNvPr id="3" name="Объект 2"/>
+          <p:cNvSpPr>
+            <a:spLocks noGrp="1"/>
+          </p:cNvSpPr>
+          <p:nvPr>
+            <p:ph idx="1"/>
+          </p:nvPr>
+        </p:nvSpPr>
+        <p:spPr/>
+        <p:txBody>
+          <a:bodyPr>
+            <a:normAutofit fontScale="62500" lnSpcReduction="20000"/>
+          </a:bodyPr>
+          <a:lstStyle/>
+          <a:p>
+            <a:r>
+              <a:rPr lang="ru-RU" dirty="0"/>
+              <a:t>Класс </a:t>
+            </a:r>
+            <a:r>
+              <a:rPr lang="ru-RU" dirty="0" err="1" smtClean="0"/>
+              <a:t>ИгрокКрестиком</a:t>
+            </a:r>
+            <a:endParaRPr lang="ru-RU" dirty="0"/>
+          </a:p>
+          <a:p>
+            <a:pPr marL="400050" lvl="1" indent="0">
+              <a:buNone/>
+            </a:pPr>
+            <a:r>
+              <a:rPr lang="en-US" dirty="0">
+                <a:solidFill>
+                  <a:schemeClr val="accent1"/>
+                </a:solidFill>
+              </a:rPr>
+              <a:t>public </a:t>
+            </a:r>
+            <a:r>
+              <a:rPr lang="ru-RU" dirty="0"/>
+              <a:t>Ход</a:t>
+            </a:r>
+            <a:r>
+              <a:rPr lang="ru-RU" dirty="0">
+                <a:solidFill>
+                  <a:schemeClr val="accent1"/>
+                </a:solidFill>
+              </a:rPr>
+              <a:t> </a:t>
+            </a:r>
+            <a:r>
+              <a:rPr lang="ru-RU" dirty="0" err="1"/>
+              <a:t>СделатьХод</a:t>
+            </a:r>
+            <a:r>
+              <a:rPr lang="ru-RU" dirty="0" smtClean="0"/>
+              <a:t>()</a:t>
+            </a:r>
+            <a:endParaRPr lang="en-US" dirty="0" smtClean="0"/>
+          </a:p>
+          <a:p>
+            <a:pPr marL="400050" lvl="1" indent="0">
+              <a:buNone/>
+            </a:pPr>
+            <a:r>
+              <a:rPr lang="en-US" dirty="0" smtClean="0"/>
+              <a:t>{</a:t>
+            </a:r>
+            <a:endParaRPr lang="ru-RU" dirty="0" smtClean="0"/>
+          </a:p>
+          <a:p>
+            <a:pPr marL="400050" lvl="1" indent="0">
+              <a:buNone/>
+            </a:pPr>
+            <a:r>
+              <a:rPr lang="ru-RU" dirty="0"/>
+              <a:t>	</a:t>
+            </a:r>
+            <a:r>
+              <a:rPr lang="ru-RU" b="1" dirty="0" smtClean="0"/>
+              <a:t>Знак </a:t>
+            </a:r>
+            <a:r>
+              <a:rPr lang="ru-RU" b="1" dirty="0" err="1" smtClean="0"/>
+              <a:t>мойЗнак</a:t>
+            </a:r>
+            <a:r>
+              <a:rPr lang="ru-RU" b="1" dirty="0" smtClean="0"/>
+              <a:t> = </a:t>
+            </a:r>
+            <a:r>
+              <a:rPr lang="ru-RU" b="1" dirty="0" err="1" smtClean="0"/>
+              <a:t>Знак.Крестик</a:t>
+            </a:r>
+            <a:r>
+              <a:rPr lang="ru-RU" b="1" dirty="0" smtClean="0"/>
+              <a:t>;</a:t>
+            </a:r>
+          </a:p>
+          <a:p>
+            <a:pPr marL="400050" lvl="1" indent="0">
+              <a:buNone/>
+            </a:pPr>
+            <a:r>
+              <a:rPr lang="en-US" dirty="0"/>
+              <a:t>	</a:t>
+            </a:r>
+            <a:r>
+              <a:rPr lang="en-US" dirty="0">
+                <a:solidFill>
+                  <a:srgbClr val="0070C0"/>
+                </a:solidFill>
+              </a:rPr>
+              <a:t>bool</a:t>
+            </a:r>
+            <a:r>
+              <a:rPr lang="en-US" dirty="0"/>
+              <a:t> success;</a:t>
+            </a:r>
+            <a:r>
+              <a:rPr lang="ru-RU" dirty="0"/>
+              <a:t> </a:t>
+            </a:r>
+            <a:endParaRPr lang="en-US" dirty="0"/>
+          </a:p>
+          <a:p>
+            <a:pPr marL="400050" lvl="1" indent="0">
+              <a:buNone/>
+            </a:pPr>
+            <a:r>
+              <a:rPr lang="en-US" dirty="0"/>
+              <a:t>	</a:t>
+            </a:r>
+            <a:r>
+              <a:rPr lang="en-US" dirty="0">
+                <a:solidFill>
+                  <a:srgbClr val="0070C0"/>
+                </a:solidFill>
+              </a:rPr>
+              <a:t>do </a:t>
+            </a:r>
+          </a:p>
+          <a:p>
+            <a:pPr marL="400050" lvl="1" indent="0">
+              <a:buNone/>
+            </a:pPr>
+            <a:r>
+              <a:rPr lang="en-US" dirty="0"/>
+              <a:t>	{</a:t>
+            </a:r>
+          </a:p>
+          <a:p>
+            <a:pPr marL="400050" lvl="1" indent="0">
+              <a:buNone/>
+            </a:pPr>
+            <a:r>
+              <a:rPr lang="en-US" dirty="0"/>
+              <a:t>	</a:t>
+            </a:r>
+            <a:r>
+              <a:rPr lang="ru-RU" dirty="0"/>
+              <a:t>	</a:t>
+            </a:r>
+            <a:r>
+              <a:rPr lang="en-US" dirty="0" err="1">
+                <a:solidFill>
+                  <a:srgbClr val="0070C0"/>
+                </a:solidFill>
+              </a:rPr>
+              <a:t>int</a:t>
+            </a:r>
+            <a:r>
+              <a:rPr lang="en-US" dirty="0">
+                <a:solidFill>
+                  <a:srgbClr val="0070C0"/>
+                </a:solidFill>
+              </a:rPr>
+              <a:t> </a:t>
+            </a:r>
+            <a:r>
+              <a:rPr lang="en-US" dirty="0"/>
+              <a:t>X</a:t>
+            </a:r>
+            <a:r>
+              <a:rPr lang="ru-RU" dirty="0"/>
+              <a:t> =</a:t>
+            </a:r>
+            <a:r>
+              <a:rPr lang="en-US" dirty="0"/>
+              <a:t> </a:t>
+            </a:r>
+            <a:r>
+              <a:rPr lang="ru-RU" dirty="0" err="1"/>
+              <a:t>ПолучитьОтПользователя</a:t>
+            </a:r>
+            <a:r>
+              <a:rPr lang="en-US" dirty="0"/>
+              <a:t>X();</a:t>
+            </a:r>
+          </a:p>
+          <a:p>
+            <a:pPr marL="400050" lvl="1" indent="0">
+              <a:buNone/>
+            </a:pPr>
+            <a:r>
+              <a:rPr lang="ru-RU" dirty="0"/>
+              <a:t>	</a:t>
+            </a:r>
+            <a:r>
+              <a:rPr lang="en-US" dirty="0"/>
+              <a:t>	</a:t>
+            </a:r>
+            <a:r>
+              <a:rPr lang="en-US" dirty="0" err="1">
+                <a:solidFill>
+                  <a:srgbClr val="0070C0"/>
+                </a:solidFill>
+              </a:rPr>
+              <a:t>int</a:t>
+            </a:r>
+            <a:r>
+              <a:rPr lang="en-US" dirty="0">
+                <a:solidFill>
+                  <a:srgbClr val="0070C0"/>
+                </a:solidFill>
+              </a:rPr>
+              <a:t> </a:t>
+            </a:r>
+            <a:r>
+              <a:rPr lang="en-US" dirty="0"/>
+              <a:t>Y</a:t>
+            </a:r>
+            <a:r>
+              <a:rPr lang="ru-RU" dirty="0"/>
+              <a:t> =</a:t>
+            </a:r>
+            <a:r>
+              <a:rPr lang="en-US" dirty="0"/>
+              <a:t> </a:t>
+            </a:r>
+            <a:r>
+              <a:rPr lang="ru-RU" dirty="0" err="1"/>
+              <a:t>ПолучитьОтПользователя</a:t>
+            </a:r>
+            <a:r>
+              <a:rPr lang="en-US" dirty="0"/>
+              <a:t>Y();</a:t>
+            </a:r>
+            <a:endParaRPr lang="ru-RU" dirty="0"/>
+          </a:p>
+          <a:p>
+            <a:pPr marL="400050" lvl="1" indent="0">
+              <a:buNone/>
+            </a:pPr>
+            <a:r>
+              <a:rPr lang="en-US" dirty="0"/>
+              <a:t>		success = </a:t>
+            </a:r>
+            <a:r>
+              <a:rPr lang="ru-RU" dirty="0" err="1"/>
+              <a:t>ТекущаяИгра.ПолучитьПоле</a:t>
+            </a:r>
+            <a:r>
+              <a:rPr lang="ru-RU" dirty="0"/>
+              <a:t>().</a:t>
+            </a:r>
+            <a:r>
+              <a:rPr lang="en-US" dirty="0"/>
+              <a:t/>
+            </a:r>
+            <a:br>
+              <a:rPr lang="en-US" dirty="0"/>
+            </a:br>
+            <a:r>
+              <a:rPr lang="en-US" dirty="0"/>
+              <a:t>			</a:t>
+            </a:r>
+            <a:r>
+              <a:rPr lang="ru-RU" dirty="0" err="1"/>
+              <a:t>ПолучитьКлетку</a:t>
+            </a:r>
+            <a:r>
+              <a:rPr lang="ru-RU" dirty="0"/>
+              <a:t>(</a:t>
+            </a:r>
+            <a:r>
+              <a:rPr lang="en-US" dirty="0"/>
+              <a:t>X,Y</a:t>
+            </a:r>
+            <a:r>
+              <a:rPr lang="ru-RU" dirty="0"/>
+              <a:t>)</a:t>
+            </a:r>
+            <a:r>
+              <a:rPr lang="en-US" dirty="0"/>
+              <a:t>.</a:t>
+            </a:r>
+            <a:r>
+              <a:rPr lang="ru-RU" dirty="0" smtClean="0"/>
+              <a:t>Поставить(</a:t>
+            </a:r>
+            <a:r>
+              <a:rPr lang="ru-RU" b="1" dirty="0" err="1" smtClean="0"/>
+              <a:t>мойЗнак</a:t>
+            </a:r>
+            <a:r>
+              <a:rPr lang="ru-RU" dirty="0" smtClean="0"/>
+              <a:t>))</a:t>
+            </a:r>
+            <a:r>
+              <a:rPr lang="en-US" dirty="0"/>
+              <a:t>;</a:t>
+            </a:r>
+            <a:endParaRPr lang="ru-RU" dirty="0"/>
+          </a:p>
+          <a:p>
+            <a:pPr marL="400050" lvl="1" indent="0">
+              <a:buNone/>
+            </a:pPr>
+            <a:r>
+              <a:rPr lang="en-US" dirty="0"/>
+              <a:t>	} </a:t>
+            </a:r>
+            <a:r>
+              <a:rPr lang="en-US" dirty="0">
+                <a:solidFill>
+                  <a:srgbClr val="0070C0"/>
+                </a:solidFill>
+              </a:rPr>
+              <a:t>while</a:t>
+            </a:r>
+            <a:r>
+              <a:rPr lang="en-US" dirty="0"/>
+              <a:t> (!success);</a:t>
+            </a:r>
+            <a:r>
+              <a:rPr lang="ru-RU" dirty="0"/>
+              <a:t> </a:t>
+            </a:r>
+          </a:p>
+          <a:p>
+            <a:pPr marL="400050" lvl="1" indent="0">
+              <a:buNone/>
+            </a:pPr>
+            <a:r>
+              <a:rPr lang="ru-RU" dirty="0"/>
+              <a:t>	</a:t>
+            </a:r>
+            <a:r>
+              <a:rPr lang="en-US" dirty="0">
+                <a:solidFill>
+                  <a:srgbClr val="0070C0"/>
+                </a:solidFill>
+              </a:rPr>
+              <a:t>return</a:t>
+            </a:r>
+            <a:r>
+              <a:rPr lang="en-US" dirty="0"/>
+              <a:t> </a:t>
+            </a:r>
+            <a:r>
+              <a:rPr lang="en-US" dirty="0">
+                <a:solidFill>
+                  <a:srgbClr val="0070C0"/>
+                </a:solidFill>
+              </a:rPr>
+              <a:t>new</a:t>
+            </a:r>
+            <a:r>
+              <a:rPr lang="en-US" dirty="0"/>
+              <a:t> </a:t>
+            </a:r>
+            <a:r>
+              <a:rPr lang="ru-RU" dirty="0"/>
+              <a:t>Ход(</a:t>
+            </a:r>
+            <a:r>
+              <a:rPr lang="en-US" dirty="0"/>
+              <a:t>X, Y, </a:t>
+            </a:r>
+            <a:r>
+              <a:rPr lang="ru-RU" b="1" dirty="0" err="1" smtClean="0"/>
+              <a:t>мойЗнак</a:t>
+            </a:r>
+            <a:r>
+              <a:rPr lang="ru-RU" dirty="0"/>
+              <a:t>)</a:t>
+            </a:r>
+            <a:r>
+              <a:rPr lang="en-US" b="1" dirty="0"/>
+              <a:t>;</a:t>
+            </a:r>
+          </a:p>
+          <a:p>
+            <a:pPr marL="400050" lvl="1" indent="0">
+              <a:buNone/>
+            </a:pPr>
+            <a:r>
+              <a:rPr lang="en-US" dirty="0" smtClean="0"/>
+              <a:t>}</a:t>
+            </a:r>
+            <a:endParaRPr lang="ru-RU" dirty="0" smtClean="0"/>
+          </a:p>
+          <a:p>
+            <a:pPr marL="457200" indent="-457200"/>
+            <a:r>
+              <a:rPr lang="ru-RU" dirty="0"/>
+              <a:t>Класс </a:t>
+            </a:r>
+            <a:r>
+              <a:rPr lang="ru-RU" dirty="0" err="1" smtClean="0"/>
+              <a:t>ИгрокНоликом</a:t>
+            </a:r>
+            <a:r>
+              <a:rPr lang="ru-RU" dirty="0" smtClean="0"/>
+              <a:t> – аналогичен. </a:t>
+            </a:r>
+            <a:r>
+              <a:rPr lang="ru-RU" b="1" dirty="0" smtClean="0"/>
+              <a:t>Повторение кода – это плохо. </a:t>
+            </a:r>
+            <a:endParaRPr lang="ru-RU" b="1" dirty="0"/>
+          </a:p>
+          <a:p>
+            <a:pPr marL="400050" lvl="1" indent="0">
+              <a:buNone/>
+            </a:pPr>
+            <a:endParaRPr lang="en-US" dirty="0"/>
+          </a:p>
+        </p:txBody>
+      </p:sp>
+    </p:spTree>
+    <p:extLst>
+      <p:ext uri="{BB962C8B-B14F-4D97-AF65-F5344CB8AC3E}">
+        <p14:creationId xmlns:p14="http://schemas.microsoft.com/office/powerpoint/2010/main" val="4142246361"/>
+      </p:ext>
+    </p:extLst>
+  </p:cSld>
+  <p:clrMapOvr>
+    <a:masterClrMapping/>
+  </p:clrMapOvr>
+</p:sld>
+</file>
+
+<file path=ppt/slides/slide63.xml><?xml version="1.0" encoding="utf-8"?>
+<p:sld xmlns:a="http://schemas.openxmlformats.org/drawingml/2006/main" xmlns:r="http://schemas.openxmlformats.org/officeDocument/2006/relationships" xmlns:p="http://schemas.openxmlformats.org/presentationml/2006/main">
+  <p:cSld>
+    <p:spTree>
+      <p:nvGrpSpPr>
+        <p:cNvPr id="1" name=""/>
+        <p:cNvGrpSpPr/>
+        <p:nvPr/>
+      </p:nvGrpSpPr>
+      <p:grpSpPr>
+        <a:xfrm>
+          <a:off x="0" y="0"/>
+          <a:ext cx="0" cy="0"/>
+          <a:chOff x="0" y="0"/>
+          <a:chExt cx="0" cy="0"/>
+        </a:xfrm>
+      </p:grpSpPr>
+      <p:sp>
+        <p:nvSpPr>
+          <p:cNvPr id="2" name="Заголовок 1"/>
+          <p:cNvSpPr>
+            <a:spLocks noGrp="1"/>
+          </p:cNvSpPr>
+          <p:nvPr>
+            <p:ph type="title"/>
+          </p:nvPr>
+        </p:nvSpPr>
+        <p:spPr/>
+        <p:txBody>
+          <a:bodyPr>
+            <a:normAutofit fontScale="90000"/>
+          </a:bodyPr>
+          <a:lstStyle/>
+          <a:p>
+            <a:r>
+              <a:rPr lang="ru-RU" dirty="0" smtClean="0"/>
+              <a:t>Улучшаем дизайн – убираем дублирование</a:t>
+            </a:r>
+            <a:endParaRPr lang="en-US" dirty="0"/>
+          </a:p>
+        </p:txBody>
+      </p:sp>
+      <p:pic>
+        <p:nvPicPr>
+          <p:cNvPr id="8" name="Объект 7"/>
+          <p:cNvPicPr>
+            <a:picLocks noGrp="1" noChangeAspect="1"/>
+          </p:cNvPicPr>
+          <p:nvPr>
+            <p:ph idx="1"/>
+          </p:nvPr>
+        </p:nvPicPr>
+        <p:blipFill>
+          <a:blip r:embed="rId2"/>
+          <a:stretch>
+            <a:fillRect/>
+          </a:stretch>
+        </p:blipFill>
+        <p:spPr>
+          <a:xfrm>
+            <a:off x="1292447" y="1600200"/>
+            <a:ext cx="6559106" cy="4525963"/>
+          </a:xfrm>
+          <a:prstGeom prst="rect">
+            <a:avLst/>
+          </a:prstGeom>
+        </p:spPr>
+      </p:pic>
+    </p:spTree>
+    <p:extLst>
+      <p:ext uri="{BB962C8B-B14F-4D97-AF65-F5344CB8AC3E}">
+        <p14:creationId xmlns:p14="http://schemas.microsoft.com/office/powerpoint/2010/main" val="665740272"/>
+      </p:ext>
+    </p:extLst>
+  </p:cSld>
+  <p:clrMapOvr>
+    <a:masterClrMapping/>
+  </p:clrMapOvr>
+</p:sld>
+</file>
+
+<file path=ppt/slides/slide64.xml><?xml version="1.0" encoding="utf-8"?>
+<p:sld xmlns:a="http://schemas.openxmlformats.org/drawingml/2006/main" xmlns:r="http://schemas.openxmlformats.org/officeDocument/2006/relationships" xmlns:p="http://schemas.openxmlformats.org/presentationml/2006/main">
+  <p:cSld>
+    <p:spTree>
+      <p:nvGrpSpPr>
+        <p:cNvPr id="1" name=""/>
+        <p:cNvGrpSpPr/>
+        <p:nvPr/>
+      </p:nvGrpSpPr>
+      <p:grpSpPr>
+        <a:xfrm>
+          <a:off x="0" y="0"/>
+          <a:ext cx="0" cy="0"/>
+          <a:chOff x="0" y="0"/>
+          <a:chExt cx="0" cy="0"/>
+        </a:xfrm>
+      </p:grpSpPr>
+      <p:sp>
+        <p:nvSpPr>
+          <p:cNvPr id="2" name="Заголовок 1"/>
+          <p:cNvSpPr>
+            <a:spLocks noGrp="1"/>
+          </p:cNvSpPr>
+          <p:nvPr>
+            <p:ph type="title"/>
+          </p:nvPr>
+        </p:nvSpPr>
+        <p:spPr/>
+        <p:txBody>
+          <a:bodyPr>
+            <a:normAutofit fontScale="90000"/>
+          </a:bodyPr>
+          <a:lstStyle/>
+          <a:p>
+            <a:r>
+              <a:rPr lang="ru-RU" dirty="0" smtClean="0"/>
+              <a:t>Оптимизированный вариант с наследованием. </a:t>
+            </a:r>
+            <a:endParaRPr lang="en-US" dirty="0"/>
+          </a:p>
+        </p:txBody>
+      </p:sp>
+      <p:sp>
+        <p:nvSpPr>
+          <p:cNvPr id="3" name="Объект 2"/>
+          <p:cNvSpPr>
+            <a:spLocks noGrp="1"/>
+          </p:cNvSpPr>
+          <p:nvPr>
+            <p:ph idx="1"/>
+          </p:nvPr>
+        </p:nvSpPr>
+        <p:spPr>
+          <a:xfrm>
+            <a:off x="457200" y="1600200"/>
+            <a:ext cx="8229600" cy="4997152"/>
+          </a:xfrm>
+        </p:spPr>
+        <p:txBody>
+          <a:bodyPr>
+            <a:normAutofit fontScale="55000" lnSpcReduction="20000"/>
+          </a:bodyPr>
+          <a:lstStyle/>
+          <a:p>
+            <a:pPr marL="457200" indent="-457200"/>
+            <a:r>
+              <a:rPr lang="ru-RU" dirty="0" smtClean="0"/>
+              <a:t>Абстрактный класс Игрок		</a:t>
+            </a:r>
+            <a:endParaRPr lang="en-US" dirty="0" smtClean="0"/>
+          </a:p>
+          <a:p>
+            <a:pPr marL="400050" lvl="1" indent="0">
+              <a:buNone/>
+            </a:pPr>
+            <a:endParaRPr lang="ru-RU" b="1" dirty="0" smtClean="0">
+              <a:solidFill>
+                <a:schemeClr val="accent1"/>
+              </a:solidFill>
+            </a:endParaRPr>
+          </a:p>
+          <a:p>
+            <a:pPr marL="400050" lvl="1" indent="0">
+              <a:buNone/>
+            </a:pPr>
+            <a:r>
+              <a:rPr lang="en-US" b="1" dirty="0" smtClean="0">
+                <a:solidFill>
+                  <a:schemeClr val="accent1"/>
+                </a:solidFill>
+              </a:rPr>
+              <a:t>abstract private </a:t>
+            </a:r>
+            <a:r>
+              <a:rPr lang="ru-RU" b="1" dirty="0" smtClean="0"/>
+              <a:t>Знак</a:t>
+            </a:r>
+            <a:r>
+              <a:rPr lang="ru-RU" b="1" dirty="0" smtClean="0">
+                <a:solidFill>
+                  <a:schemeClr val="accent1"/>
+                </a:solidFill>
+              </a:rPr>
+              <a:t> </a:t>
+            </a:r>
+            <a:r>
+              <a:rPr lang="ru-RU" b="1" dirty="0" err="1" smtClean="0"/>
+              <a:t>МойЗнак</a:t>
+            </a:r>
+            <a:r>
+              <a:rPr lang="ru-RU" b="1" dirty="0" smtClean="0"/>
+              <a:t>()</a:t>
+            </a:r>
+            <a:r>
+              <a:rPr lang="en-US" b="1" dirty="0"/>
+              <a:t> </a:t>
+            </a:r>
+            <a:endParaRPr lang="en-US" b="1" dirty="0" smtClean="0"/>
+          </a:p>
+          <a:p>
+            <a:pPr marL="400050" lvl="1" indent="0">
+              <a:buNone/>
+            </a:pPr>
+            <a:endParaRPr lang="en-US" dirty="0" smtClean="0">
+              <a:solidFill>
+                <a:schemeClr val="accent1"/>
+              </a:solidFill>
+            </a:endParaRPr>
+          </a:p>
+          <a:p>
+            <a:pPr marL="400050" lvl="1" indent="0">
+              <a:buNone/>
+            </a:pPr>
+            <a:r>
+              <a:rPr lang="en-US" dirty="0" smtClean="0">
+                <a:solidFill>
+                  <a:schemeClr val="accent1"/>
+                </a:solidFill>
+              </a:rPr>
+              <a:t>public </a:t>
+            </a:r>
+            <a:r>
+              <a:rPr lang="ru-RU" dirty="0"/>
+              <a:t>Ход</a:t>
+            </a:r>
+            <a:r>
+              <a:rPr lang="ru-RU" dirty="0">
+                <a:solidFill>
+                  <a:schemeClr val="accent1"/>
+                </a:solidFill>
+              </a:rPr>
+              <a:t> </a:t>
+            </a:r>
+            <a:r>
+              <a:rPr lang="ru-RU" dirty="0" err="1"/>
+              <a:t>СделатьХод</a:t>
+            </a:r>
+            <a:r>
+              <a:rPr lang="ru-RU" dirty="0" smtClean="0"/>
+              <a:t>()</a:t>
+            </a:r>
+            <a:endParaRPr lang="en-US" dirty="0" smtClean="0"/>
+          </a:p>
+          <a:p>
+            <a:pPr marL="400050" lvl="1" indent="0">
+              <a:buNone/>
+            </a:pPr>
+            <a:r>
+              <a:rPr lang="en-US" dirty="0" smtClean="0"/>
+              <a:t>{</a:t>
+            </a:r>
+            <a:endParaRPr lang="ru-RU" dirty="0" smtClean="0"/>
+          </a:p>
+          <a:p>
+            <a:pPr marL="400050" lvl="1" indent="0">
+              <a:buNone/>
+            </a:pPr>
+            <a:r>
+              <a:rPr lang="ru-RU" dirty="0"/>
+              <a:t>	</a:t>
+            </a:r>
+            <a:r>
+              <a:rPr lang="ru-RU" b="1" dirty="0" smtClean="0"/>
+              <a:t>Знак </a:t>
+            </a:r>
+            <a:r>
+              <a:rPr lang="ru-RU" b="1" dirty="0" err="1" smtClean="0"/>
+              <a:t>мойЗнак</a:t>
+            </a:r>
+            <a:r>
+              <a:rPr lang="ru-RU" b="1" dirty="0" smtClean="0"/>
+              <a:t> = </a:t>
+            </a:r>
+            <a:r>
+              <a:rPr lang="ru-RU" b="1" dirty="0" err="1" smtClean="0"/>
+              <a:t>МойЗнак</a:t>
+            </a:r>
+            <a:r>
+              <a:rPr lang="ru-RU" b="1" dirty="0" smtClean="0"/>
+              <a:t>() ;</a:t>
+            </a:r>
+          </a:p>
+          <a:p>
+            <a:pPr marL="400050" lvl="1" indent="0">
+              <a:buNone/>
+            </a:pPr>
+            <a:r>
+              <a:rPr lang="en-US" dirty="0"/>
+              <a:t>	</a:t>
+            </a:r>
+            <a:r>
+              <a:rPr lang="en-US" dirty="0">
+                <a:solidFill>
+                  <a:srgbClr val="0070C0"/>
+                </a:solidFill>
+              </a:rPr>
+              <a:t>bool</a:t>
+            </a:r>
+            <a:r>
+              <a:rPr lang="en-US" dirty="0"/>
+              <a:t> success;</a:t>
+            </a:r>
+            <a:r>
+              <a:rPr lang="ru-RU" dirty="0"/>
+              <a:t> </a:t>
+            </a:r>
+            <a:endParaRPr lang="en-US" dirty="0"/>
+          </a:p>
+          <a:p>
+            <a:pPr marL="400050" lvl="1" indent="0">
+              <a:buNone/>
+            </a:pPr>
+            <a:r>
+              <a:rPr lang="en-US" dirty="0"/>
+              <a:t>	</a:t>
+            </a:r>
+            <a:r>
+              <a:rPr lang="en-US" dirty="0">
+                <a:solidFill>
+                  <a:srgbClr val="0070C0"/>
+                </a:solidFill>
+              </a:rPr>
+              <a:t>do </a:t>
+            </a:r>
+          </a:p>
+          <a:p>
+            <a:pPr marL="400050" lvl="1" indent="0">
+              <a:buNone/>
+            </a:pPr>
+            <a:r>
+              <a:rPr lang="en-US" dirty="0"/>
+              <a:t>	{</a:t>
+            </a:r>
+          </a:p>
+          <a:p>
+            <a:pPr marL="400050" lvl="1" indent="0">
+              <a:buNone/>
+            </a:pPr>
+            <a:r>
+              <a:rPr lang="en-US" dirty="0"/>
+              <a:t>	</a:t>
+            </a:r>
+            <a:r>
+              <a:rPr lang="ru-RU" dirty="0"/>
+              <a:t>	</a:t>
+            </a:r>
+            <a:r>
+              <a:rPr lang="en-US" dirty="0" err="1">
+                <a:solidFill>
+                  <a:srgbClr val="0070C0"/>
+                </a:solidFill>
+              </a:rPr>
+              <a:t>int</a:t>
+            </a:r>
+            <a:r>
+              <a:rPr lang="en-US" dirty="0">
+                <a:solidFill>
+                  <a:srgbClr val="0070C0"/>
+                </a:solidFill>
+              </a:rPr>
+              <a:t> </a:t>
+            </a:r>
+            <a:r>
+              <a:rPr lang="en-US" dirty="0"/>
+              <a:t>X</a:t>
+            </a:r>
+            <a:r>
+              <a:rPr lang="ru-RU" dirty="0"/>
+              <a:t> =</a:t>
+            </a:r>
+            <a:r>
+              <a:rPr lang="en-US" dirty="0"/>
+              <a:t> </a:t>
+            </a:r>
+            <a:r>
+              <a:rPr lang="ru-RU" dirty="0" err="1"/>
+              <a:t>ПолучитьОтПользователя</a:t>
+            </a:r>
+            <a:r>
+              <a:rPr lang="en-US" dirty="0"/>
+              <a:t>X();</a:t>
+            </a:r>
+          </a:p>
+          <a:p>
+            <a:pPr marL="400050" lvl="1" indent="0">
+              <a:buNone/>
+            </a:pPr>
+            <a:r>
+              <a:rPr lang="ru-RU" dirty="0"/>
+              <a:t>	</a:t>
+            </a:r>
+            <a:r>
+              <a:rPr lang="en-US" dirty="0"/>
+              <a:t>	</a:t>
+            </a:r>
+            <a:r>
+              <a:rPr lang="en-US" dirty="0" err="1">
+                <a:solidFill>
+                  <a:srgbClr val="0070C0"/>
+                </a:solidFill>
+              </a:rPr>
+              <a:t>int</a:t>
+            </a:r>
+            <a:r>
+              <a:rPr lang="en-US" dirty="0">
+                <a:solidFill>
+                  <a:srgbClr val="0070C0"/>
+                </a:solidFill>
+              </a:rPr>
+              <a:t> </a:t>
+            </a:r>
+            <a:r>
+              <a:rPr lang="en-US" dirty="0"/>
+              <a:t>Y</a:t>
+            </a:r>
+            <a:r>
+              <a:rPr lang="ru-RU" dirty="0"/>
+              <a:t> =</a:t>
+            </a:r>
+            <a:r>
+              <a:rPr lang="en-US" dirty="0"/>
+              <a:t> </a:t>
+            </a:r>
+            <a:r>
+              <a:rPr lang="ru-RU" dirty="0" err="1"/>
+              <a:t>ПолучитьОтПользователя</a:t>
+            </a:r>
+            <a:r>
+              <a:rPr lang="en-US" dirty="0"/>
+              <a:t>Y();</a:t>
+            </a:r>
+            <a:endParaRPr lang="ru-RU" dirty="0"/>
+          </a:p>
+          <a:p>
+            <a:pPr marL="400050" lvl="1" indent="0">
+              <a:buNone/>
+            </a:pPr>
+            <a:r>
+              <a:rPr lang="en-US" dirty="0"/>
+              <a:t>		success = </a:t>
+            </a:r>
+            <a:r>
+              <a:rPr lang="ru-RU" dirty="0" err="1"/>
+              <a:t>ТекущаяИгра.ПолучитьПоле</a:t>
+            </a:r>
+            <a:r>
+              <a:rPr lang="ru-RU" dirty="0"/>
+              <a:t>().</a:t>
+            </a:r>
+            <a:r>
+              <a:rPr lang="en-US" dirty="0"/>
+              <a:t/>
+            </a:r>
+            <a:br>
+              <a:rPr lang="en-US" dirty="0"/>
+            </a:br>
+            <a:r>
+              <a:rPr lang="en-US" dirty="0"/>
+              <a:t>			</a:t>
+            </a:r>
+            <a:r>
+              <a:rPr lang="ru-RU" dirty="0" err="1"/>
+              <a:t>ПолучитьКлетку</a:t>
+            </a:r>
+            <a:r>
+              <a:rPr lang="ru-RU" dirty="0"/>
+              <a:t>(</a:t>
+            </a:r>
+            <a:r>
+              <a:rPr lang="en-US" dirty="0"/>
+              <a:t>X,Y</a:t>
+            </a:r>
+            <a:r>
+              <a:rPr lang="ru-RU" dirty="0"/>
+              <a:t>)</a:t>
+            </a:r>
+            <a:r>
+              <a:rPr lang="en-US" dirty="0"/>
+              <a:t>.</a:t>
+            </a:r>
+            <a:r>
+              <a:rPr lang="ru-RU" dirty="0" smtClean="0"/>
+              <a:t>Поставить(</a:t>
+            </a:r>
+            <a:r>
+              <a:rPr lang="ru-RU" b="1" dirty="0" err="1" smtClean="0"/>
+              <a:t>мойЗнак</a:t>
+            </a:r>
+            <a:r>
+              <a:rPr lang="ru-RU" dirty="0" smtClean="0"/>
+              <a:t>))</a:t>
+            </a:r>
+            <a:r>
+              <a:rPr lang="en-US" dirty="0"/>
+              <a:t>;</a:t>
+            </a:r>
+            <a:endParaRPr lang="ru-RU" dirty="0"/>
+          </a:p>
+          <a:p>
+            <a:pPr marL="400050" lvl="1" indent="0">
+              <a:buNone/>
+            </a:pPr>
+            <a:r>
+              <a:rPr lang="en-US" dirty="0"/>
+              <a:t>	} </a:t>
+            </a:r>
+            <a:r>
+              <a:rPr lang="en-US" dirty="0">
+                <a:solidFill>
+                  <a:srgbClr val="0070C0"/>
+                </a:solidFill>
+              </a:rPr>
+              <a:t>while</a:t>
+            </a:r>
+            <a:r>
+              <a:rPr lang="en-US" dirty="0"/>
+              <a:t> (!success);</a:t>
+            </a:r>
+            <a:r>
+              <a:rPr lang="ru-RU" dirty="0"/>
+              <a:t> </a:t>
+            </a:r>
+          </a:p>
+          <a:p>
+            <a:pPr marL="400050" lvl="1" indent="0">
+              <a:buNone/>
+            </a:pPr>
+            <a:r>
+              <a:rPr lang="ru-RU" dirty="0"/>
+              <a:t>	</a:t>
+            </a:r>
+            <a:r>
+              <a:rPr lang="en-US" dirty="0">
+                <a:solidFill>
+                  <a:srgbClr val="0070C0"/>
+                </a:solidFill>
+              </a:rPr>
+              <a:t>return</a:t>
+            </a:r>
+            <a:r>
+              <a:rPr lang="en-US" dirty="0"/>
+              <a:t> </a:t>
+            </a:r>
+            <a:r>
+              <a:rPr lang="en-US" dirty="0">
+                <a:solidFill>
+                  <a:srgbClr val="0070C0"/>
+                </a:solidFill>
+              </a:rPr>
+              <a:t>new</a:t>
+            </a:r>
+            <a:r>
+              <a:rPr lang="en-US" dirty="0"/>
+              <a:t> </a:t>
+            </a:r>
+            <a:r>
+              <a:rPr lang="ru-RU" dirty="0"/>
+              <a:t>Ход(</a:t>
+            </a:r>
+            <a:r>
+              <a:rPr lang="en-US" dirty="0"/>
+              <a:t>X, Y, </a:t>
+            </a:r>
+            <a:r>
+              <a:rPr lang="ru-RU" b="1" dirty="0" err="1" smtClean="0"/>
+              <a:t>мойЗнак</a:t>
+            </a:r>
+            <a:r>
+              <a:rPr lang="ru-RU" dirty="0"/>
+              <a:t>)</a:t>
+            </a:r>
+            <a:r>
+              <a:rPr lang="en-US" b="1" dirty="0"/>
+              <a:t>;</a:t>
+            </a:r>
+          </a:p>
+          <a:p>
+            <a:pPr marL="400050" lvl="1" indent="0">
+              <a:buNone/>
+            </a:pPr>
+            <a:r>
+              <a:rPr lang="en-US" dirty="0" smtClean="0"/>
+              <a:t>}</a:t>
+            </a:r>
+            <a:endParaRPr lang="ru-RU" dirty="0" smtClean="0"/>
+          </a:p>
+          <a:p>
+            <a:pPr marL="457200" indent="-457200"/>
+            <a:r>
+              <a:rPr lang="ru-RU" dirty="0"/>
+              <a:t>Класс </a:t>
+            </a:r>
+            <a:r>
+              <a:rPr lang="ru-RU" dirty="0" err="1" smtClean="0"/>
+              <a:t>ИгрокКрестиком</a:t>
+            </a:r>
+            <a:endParaRPr lang="en-US" dirty="0"/>
+          </a:p>
+          <a:p>
+            <a:pPr marL="400050" lvl="1" indent="0">
+              <a:buNone/>
+            </a:pPr>
+            <a:endParaRPr lang="ru-RU" dirty="0" smtClean="0"/>
+          </a:p>
+          <a:p>
+            <a:pPr marL="400050" lvl="1" indent="0">
+              <a:buNone/>
+            </a:pPr>
+            <a:r>
+              <a:rPr lang="en-US" b="1" dirty="0" smtClean="0">
+                <a:solidFill>
+                  <a:schemeClr val="accent1"/>
+                </a:solidFill>
+              </a:rPr>
+              <a:t>private </a:t>
+            </a:r>
+            <a:r>
+              <a:rPr lang="ru-RU" b="1" dirty="0"/>
+              <a:t>Знак</a:t>
+            </a:r>
+            <a:r>
+              <a:rPr lang="ru-RU" b="1" dirty="0">
+                <a:solidFill>
+                  <a:schemeClr val="accent1"/>
+                </a:solidFill>
+              </a:rPr>
+              <a:t> </a:t>
+            </a:r>
+            <a:r>
+              <a:rPr lang="ru-RU" b="1" dirty="0" err="1"/>
+              <a:t>МойЗнак</a:t>
+            </a:r>
+            <a:r>
+              <a:rPr lang="ru-RU" b="1" dirty="0"/>
+              <a:t>()</a:t>
+            </a:r>
+            <a:r>
+              <a:rPr lang="en-US" b="1" dirty="0"/>
+              <a:t> </a:t>
+            </a:r>
+            <a:r>
+              <a:rPr lang="en-US" b="1" dirty="0" smtClean="0"/>
+              <a:t>{ </a:t>
+            </a:r>
+            <a:r>
+              <a:rPr lang="en-US" b="1" dirty="0" smtClean="0">
+                <a:solidFill>
+                  <a:srgbClr val="0070C0"/>
+                </a:solidFill>
+              </a:rPr>
+              <a:t>return</a:t>
+            </a:r>
+            <a:r>
+              <a:rPr lang="en-US" b="1" dirty="0" smtClean="0"/>
+              <a:t> </a:t>
+            </a:r>
+            <a:r>
+              <a:rPr lang="ru-RU" b="1" dirty="0" err="1" smtClean="0"/>
+              <a:t>Знак.Крестик</a:t>
+            </a:r>
+            <a:r>
+              <a:rPr lang="ru-RU" b="1" dirty="0" smtClean="0"/>
+              <a:t>; </a:t>
+            </a:r>
+            <a:r>
+              <a:rPr lang="en-US" b="1" dirty="0" smtClean="0"/>
+              <a:t>}</a:t>
+            </a:r>
+            <a:endParaRPr lang="en-US" b="1" dirty="0"/>
+          </a:p>
+          <a:p>
+            <a:pPr marL="400050" lvl="1" indent="0">
+              <a:buNone/>
+            </a:pPr>
+            <a:endParaRPr lang="ru-RU" dirty="0" smtClean="0"/>
+          </a:p>
+        </p:txBody>
+      </p:sp>
+    </p:spTree>
+    <p:extLst>
+      <p:ext uri="{BB962C8B-B14F-4D97-AF65-F5344CB8AC3E}">
+        <p14:creationId xmlns:p14="http://schemas.microsoft.com/office/powerpoint/2010/main" val="2366873222"/>
+      </p:ext>
+    </p:extLst>
+  </p:cSld>
+  <p:clrMapOvr>
+    <a:masterClrMapping/>
+  </p:clrMapOvr>
+</p:sld>
+</file>
+
+<file path=ppt/slides/slide65.xml><?xml version="1.0" encoding="utf-8"?>
+<p:sld xmlns:a="http://schemas.openxmlformats.org/drawingml/2006/main" xmlns:r="http://schemas.openxmlformats.org/officeDocument/2006/relationships" xmlns:p="http://schemas.openxmlformats.org/presentationml/2006/main">
+  <p:cSld>
+    <p:spTree>
+      <p:nvGrpSpPr>
+        <p:cNvPr id="1" name=""/>
+        <p:cNvGrpSpPr/>
+        <p:nvPr/>
+      </p:nvGrpSpPr>
+      <p:grpSpPr>
+        <a:xfrm>
+          <a:off x="0" y="0"/>
+          <a:ext cx="0" cy="0"/>
+          <a:chOff x="0" y="0"/>
+          <a:chExt cx="0" cy="0"/>
+        </a:xfrm>
+      </p:grpSpPr>
+      <p:sp>
+        <p:nvSpPr>
+          <p:cNvPr id="2" name="Заголовок 1"/>
+          <p:cNvSpPr>
+            <a:spLocks noGrp="1"/>
+          </p:cNvSpPr>
+          <p:nvPr>
+            <p:ph type="title"/>
+          </p:nvPr>
+        </p:nvSpPr>
+        <p:spPr/>
+        <p:txBody>
+          <a:bodyPr>
+            <a:normAutofit fontScale="90000"/>
+          </a:bodyPr>
+          <a:lstStyle/>
+          <a:p>
+            <a:r>
               <a:rPr lang="ru-RU" dirty="0" err="1" smtClean="0"/>
               <a:t>Итерационность</a:t>
             </a:r>
@@ -13843,15 +15872,7 @@
             </a:r>
             <a:r>
               <a:rPr lang="ru-RU" dirty="0" smtClean="0"/>
-              <a:t>изменениям</a:t>
-            </a:r>
-            <a:r>
-              <a:rPr lang="ru-RU" dirty="0" smtClean="0"/>
-              <a:t>. Обычно это модель, построенная на основе предметной</a:t>
-            </a:r>
-            <a:r>
-              <a:rPr lang="ru-RU" dirty="0" smtClean="0"/>
-              <a:t> области.</a:t>
+              <a:t>изменениям. Обычно это модель, построенная на основе предметной области.</a:t>
             </a:r>
             <a:endParaRPr lang="ru-RU" dirty="0"/>
           </a:p>
@@ -13926,7 +15947,7 @@
 </p:sld>
 </file>
 
-<file path=ppt/slides/slide61.xml><?xml version="1.0" encoding="utf-8"?>
+<file path=ppt/slides/slide66.xml><?xml version="1.0" encoding="utf-8"?>
 <p:sld xmlns:a="http://schemas.openxmlformats.org/drawingml/2006/main" xmlns:r="http://schemas.openxmlformats.org/officeDocument/2006/relationships" xmlns:p="http://schemas.openxmlformats.org/presentationml/2006/main">
   <p:cSld>
     <p:spTree>
@@ -13979,7 +16000,7 @@
         <p:spPr/>
         <p:txBody>
           <a:bodyPr>
-            <a:normAutofit fontScale="92500" lnSpcReduction="20000"/>
+            <a:normAutofit fontScale="85000" lnSpcReduction="20000"/>
           </a:bodyPr>
           <a:lstStyle/>
           <a:p>
@@ -14017,8 +16038,19 @@
             </a:r>
             <a:r>
               <a:rPr lang="ru-RU" dirty="0"/>
-              <a:t> мозга»)</a:t>
-            </a:r>
+              <a:t> мозга</a:t>
+            </a:r>
+            <a:r>
+              <a:rPr lang="ru-RU" dirty="0" smtClean="0"/>
+              <a:t>»)</a:t>
+            </a:r>
+          </a:p>
+          <a:p>
+            <a:r>
+              <a:rPr lang="ru-RU" dirty="0" smtClean="0"/>
+              <a:t>Помним, что инструменты ООП – средства, а не цель.</a:t>
+            </a:r>
+            <a:endParaRPr lang="ru-RU" dirty="0"/>
           </a:p>
           <a:p>
             <a:endParaRPr lang="en-US" dirty="0"/>
